--- a/PS1/Yunqing_Jia.pptx
+++ b/PS1/Yunqing_Jia.pptx
@@ -1816,7 +1816,7 @@
         </p:nvSpPr>
         <p:spPr>
           <a:xfrm>
-            <a:off x="381300" y="685800"/>
+            <a:off x="381000" y="685800"/>
             <a:ext cx="6096000" cy="3429000"/>
           </a:xfrm>
           <a:custGeom>
@@ -13657,11 +13657,11 @@
               <a:buNone/>
             </a:pPr>
             <a:r>
-              <a:rPr lang="en" b="1"/>
+              <a:rPr lang="en" b="1" dirty="0"/>
               <a:t>2.1</a:t>
             </a:r>
             <a:r>
-              <a:rPr lang="en" sz="1200">
+              <a:rPr lang="en" sz="1200" dirty="0">
                 <a:solidFill>
                   <a:schemeClr val="dk1"/>
                 </a:solidFill>
@@ -13669,7 +13669,7 @@
               <a:t> Plot all the intensities in </a:t>
             </a:r>
             <a:r>
-              <a:rPr lang="en" sz="1200">
+              <a:rPr lang="en" sz="1200" dirty="0">
                 <a:solidFill>
                   <a:schemeClr val="dk1"/>
                 </a:solidFill>
@@ -13681,7 +13681,7 @@
               <a:t>A</a:t>
             </a:r>
             <a:r>
-              <a:rPr lang="en" sz="1200">
+              <a:rPr lang="en" sz="1200" dirty="0">
                 <a:solidFill>
                   <a:schemeClr val="dk1"/>
                 </a:solidFill>
@@ -13689,7 +13689,7 @@
               <a:t>, sorted in decreasing value. Provide the plot in your answer sheet. (Note, in this case we don’t care about the 2D structure of </a:t>
             </a:r>
             <a:r>
-              <a:rPr lang="en" sz="1200">
+              <a:rPr lang="en" sz="1200" dirty="0">
                 <a:solidFill>
                   <a:schemeClr val="dk1"/>
                 </a:solidFill>
@@ -13701,14 +13701,14 @@
               <a:t>A</a:t>
             </a:r>
             <a:r>
-              <a:rPr lang="en" sz="1200">
+              <a:rPr lang="en" sz="1200" dirty="0">
                 <a:solidFill>
                   <a:schemeClr val="dk1"/>
                 </a:solidFill>
               </a:rPr>
               <a:t>, we only want to sort the list of all intensities.)</a:t>
             </a:r>
-            <a:endParaRPr sz="1200">
+            <a:endParaRPr sz="1200" dirty="0">
               <a:solidFill>
                 <a:schemeClr val="dk1"/>
               </a:solidFill>
@@ -13728,7 +13728,7 @@
               <a:buSzPts val="1400"/>
               <a:buNone/>
             </a:pPr>
-            <a:endParaRPr b="1"/>
+            <a:endParaRPr lang="en-US" b="1" dirty="0"/>
           </a:p>
           <a:p>
             <a:pPr marL="0" lvl="0" indent="0" algn="l" rtl="0">
@@ -13745,11 +13745,7 @@
               <a:buFont typeface="Arial"/>
               <a:buNone/>
             </a:pPr>
-            <a:r>
-              <a:rPr lang="en"/>
-              <a:t>&lt;Insert plot here&gt;</a:t>
-            </a:r>
-            <a:endParaRPr/>
+            <a:endParaRPr lang="en-US" dirty="0"/>
           </a:p>
           <a:p>
             <a:pPr marL="0" lvl="0" indent="0" algn="l" rtl="0">
@@ -13765,7 +13761,7 @@
               <a:buSzPts val="1400"/>
               <a:buNone/>
             </a:pPr>
-            <a:endParaRPr/>
+            <a:endParaRPr lang="en-US" dirty="0"/>
           </a:p>
         </p:txBody>
       </p:sp>
@@ -13812,18 +13808,18 @@
               <a:buNone/>
             </a:pPr>
             <a:r>
-              <a:rPr lang="en" b="1"/>
+              <a:rPr lang="en" b="1" dirty="0"/>
               <a:t>2.2</a:t>
             </a:r>
             <a:r>
-              <a:rPr lang="en" sz="1200">
+              <a:rPr lang="en" sz="1200" dirty="0">
                 <a:solidFill>
                   <a:schemeClr val="dk1"/>
                 </a:solidFill>
               </a:rPr>
               <a:t> Display a histogram of A’s intensities with 20 bins. Again, we do not care about the 2D structure. Provide the histogram in your answer sheet.</a:t>
             </a:r>
-            <a:endParaRPr sz="1200">
+            <a:endParaRPr sz="1200" dirty="0">
               <a:solidFill>
                 <a:schemeClr val="dk1"/>
               </a:solidFill>
@@ -13844,47 +13840,86 @@
               <a:buFont typeface="Arial"/>
               <a:buNone/>
             </a:pPr>
-            <a:endParaRPr b="1"/>
+            <a:endParaRPr b="1" dirty="0"/>
           </a:p>
           <a:p>
             <a:pPr marL="0" lvl="0" indent="0" algn="l" rtl="0">
-              <a:spcBef>
-                <a:spcPts val="0"/>
-              </a:spcBef>
-              <a:spcAft>
-                <a:spcPts val="0"/>
-              </a:spcAft>
-              <a:buClr>
-                <a:schemeClr val="dk1"/>
-              </a:buClr>
+              <a:lnSpc>
+                <a:spcPct val="115000"/>
+              </a:lnSpc>
+              <a:spcBef>
+                <a:spcPts val="1600"/>
+              </a:spcBef>
+              <a:spcAft>
+                <a:spcPts val="1600"/>
+              </a:spcAft>
               <a:buSzPts val="1400"/>
-              <a:buFont typeface="Arial"/>
               <a:buNone/>
             </a:pPr>
-            <a:r>
-              <a:rPr lang="en"/>
-              <a:t>&lt;Insert plot here&gt;</a:t>
-            </a:r>
-            <a:endParaRPr/>
-          </a:p>
-          <a:p>
-            <a:pPr marL="0" lvl="0" indent="0" algn="l" rtl="0">
-              <a:lnSpc>
-                <a:spcPct val="115000"/>
-              </a:lnSpc>
-              <a:spcBef>
-                <a:spcPts val="1600"/>
-              </a:spcBef>
-              <a:spcAft>
-                <a:spcPts val="1600"/>
-              </a:spcAft>
-              <a:buSzPts val="1400"/>
-              <a:buNone/>
-            </a:pPr>
-            <a:endParaRPr b="1"/>
+            <a:endParaRPr b="1" dirty="0"/>
           </a:p>
         </p:txBody>
       </p:sp>
+      <p:pic>
+        <p:nvPicPr>
+          <p:cNvPr id="3" name="Picture 2" descr="A picture containing chart&#10;&#10;Description automatically generated">
+            <a:extLst>
+              <a:ext uri="{FF2B5EF4-FFF2-40B4-BE49-F238E27FC236}">
+                <a16:creationId xmlns:a16="http://schemas.microsoft.com/office/drawing/2014/main" id="{134E2336-E9F9-4DC2-80CC-9E198DABCAC3}"/>
+              </a:ext>
+            </a:extLst>
+          </p:cNvPr>
+          <p:cNvPicPr>
+            <a:picLocks noChangeAspect="1"/>
+          </p:cNvPicPr>
+          <p:nvPr/>
+        </p:nvPicPr>
+        <p:blipFill>
+          <a:blip r:embed="rId3"/>
+          <a:stretch>
+            <a:fillRect/>
+          </a:stretch>
+        </p:blipFill>
+        <p:spPr>
+          <a:xfrm>
+            <a:off x="311700" y="1472802"/>
+            <a:ext cx="3992800" cy="2988361"/>
+          </a:xfrm>
+          <a:prstGeom prst="rect">
+            <a:avLst/>
+          </a:prstGeom>
+        </p:spPr>
+      </p:pic>
+      <p:pic>
+        <p:nvPicPr>
+          <p:cNvPr id="5" name="Picture 4" descr="Chart, histogram&#10;&#10;Description automatically generated">
+            <a:extLst>
+              <a:ext uri="{FF2B5EF4-FFF2-40B4-BE49-F238E27FC236}">
+                <a16:creationId xmlns:a16="http://schemas.microsoft.com/office/drawing/2014/main" id="{273BE34A-C345-4CAD-A602-01D358557508}"/>
+              </a:ext>
+            </a:extLst>
+          </p:cNvPr>
+          <p:cNvPicPr>
+            <a:picLocks noChangeAspect="1"/>
+          </p:cNvPicPr>
+          <p:nvPr/>
+        </p:nvPicPr>
+        <p:blipFill>
+          <a:blip r:embed="rId4"/>
+          <a:stretch>
+            <a:fillRect/>
+          </a:stretch>
+        </p:blipFill>
+        <p:spPr>
+          <a:xfrm>
+            <a:off x="4832399" y="1474120"/>
+            <a:ext cx="4134955" cy="3094755"/>
+          </a:xfrm>
+          <a:prstGeom prst="rect">
+            <a:avLst/>
+          </a:prstGeom>
+        </p:spPr>
+      </p:pic>
     </p:spTree>
   </p:cSld>
   <p:clrMapOvr>

--- a/PS1/Yunqing_Jia.pptx
+++ b/PS1/Yunqing_Jia.pptx
@@ -1938,7 +1938,7 @@
         </p:nvSpPr>
         <p:spPr>
           <a:xfrm>
-            <a:off x="381300" y="685800"/>
+            <a:off x="381000" y="685800"/>
             <a:ext cx="6096000" cy="3429000"/>
           </a:xfrm>
           <a:custGeom>
@@ -2060,7 +2060,7 @@
         </p:nvSpPr>
         <p:spPr>
           <a:xfrm>
-            <a:off x="381300" y="685800"/>
+            <a:off x="381000" y="685800"/>
             <a:ext cx="6096000" cy="3429000"/>
           </a:xfrm>
           <a:custGeom>
@@ -2182,7 +2182,7 @@
         </p:nvSpPr>
         <p:spPr>
           <a:xfrm>
-            <a:off x="381300" y="685800"/>
+            <a:off x="381000" y="685800"/>
             <a:ext cx="6096000" cy="3429000"/>
           </a:xfrm>
           <a:custGeom>
@@ -13988,18 +13988,18 @@
               <a:buNone/>
             </a:pPr>
             <a:r>
-              <a:rPr lang="en" b="1"/>
+              <a:rPr lang="en" b="1" dirty="0"/>
               <a:t>3.2.</a:t>
             </a:r>
             <a:r>
-              <a:rPr lang="en" sz="1200">
+              <a:rPr lang="en" sz="1200" dirty="0">
                 <a:solidFill>
                   <a:schemeClr val="dk1"/>
                 </a:solidFill>
               </a:rPr>
               <a:t> Display the grayscale image.</a:t>
             </a:r>
-            <a:endParaRPr sz="1200">
+            <a:endParaRPr sz="1200" dirty="0">
               <a:solidFill>
                 <a:schemeClr val="dk1"/>
               </a:solidFill>
@@ -14020,44 +14020,23 @@
               <a:buFont typeface="Arial"/>
               <a:buNone/>
             </a:pPr>
-            <a:endParaRPr b="1"/>
+            <a:endParaRPr b="1" dirty="0"/>
           </a:p>
           <a:p>
             <a:pPr marL="0" lvl="0" indent="0" algn="l" rtl="0">
-              <a:spcBef>
-                <a:spcPts val="0"/>
-              </a:spcBef>
-              <a:spcAft>
-                <a:spcPts val="0"/>
-              </a:spcAft>
-              <a:buClr>
-                <a:schemeClr val="dk1"/>
-              </a:buClr>
+              <a:lnSpc>
+                <a:spcPct val="115000"/>
+              </a:lnSpc>
+              <a:spcBef>
+                <a:spcPts val="1600"/>
+              </a:spcBef>
+              <a:spcAft>
+                <a:spcPts val="1600"/>
+              </a:spcAft>
               <a:buSzPts val="1400"/>
-              <a:buFont typeface="Arial"/>
               <a:buNone/>
             </a:pPr>
-            <a:r>
-              <a:rPr lang="en"/>
-              <a:t>&lt;Insert plot here&gt;</a:t>
-            </a:r>
-            <a:endParaRPr/>
-          </a:p>
-          <a:p>
-            <a:pPr marL="0" lvl="0" indent="0" algn="l" rtl="0">
-              <a:lnSpc>
-                <a:spcPct val="115000"/>
-              </a:lnSpc>
-              <a:spcBef>
-                <a:spcPts val="1600"/>
-              </a:spcBef>
-              <a:spcAft>
-                <a:spcPts val="1600"/>
-              </a:spcAft>
-              <a:buSzPts val="1400"/>
-              <a:buNone/>
-            </a:pPr>
-            <a:endParaRPr b="1"/>
+            <a:endParaRPr b="1" dirty="0"/>
           </a:p>
         </p:txBody>
       </p:sp>
@@ -14108,78 +14087,85 @@
               <a:buNone/>
             </a:pPr>
             <a:r>
-              <a:rPr lang="en" b="1"/>
+              <a:rPr lang="en" b="1" dirty="0"/>
               <a:t>3.1</a:t>
             </a:r>
             <a:r>
-              <a:rPr lang="en" sz="1200">
+              <a:rPr lang="en" sz="1200" dirty="0">
                 <a:solidFill>
                   <a:schemeClr val="dk1"/>
                 </a:solidFill>
               </a:rPr>
               <a:t> Display the color channel swapped image.</a:t>
             </a:r>
-            <a:endParaRPr sz="1200">
+            <a:endParaRPr sz="1200" dirty="0">
               <a:solidFill>
                 <a:schemeClr val="dk1"/>
               </a:solidFill>
             </a:endParaRPr>
           </a:p>
-          <a:p>
-            <a:pPr marL="0" lvl="0" indent="0" algn="l" rtl="0">
-              <a:lnSpc>
-                <a:spcPct val="115000"/>
-              </a:lnSpc>
-              <a:spcBef>
-                <a:spcPts val="0"/>
-              </a:spcBef>
-              <a:spcAft>
-                <a:spcPts val="0"/>
-              </a:spcAft>
-              <a:buSzPts val="1400"/>
-              <a:buNone/>
-            </a:pPr>
-            <a:endParaRPr b="1"/>
-          </a:p>
-          <a:p>
-            <a:pPr marL="0" lvl="0" indent="0" algn="l" rtl="0">
-              <a:spcBef>
-                <a:spcPts val="0"/>
-              </a:spcBef>
-              <a:spcAft>
-                <a:spcPts val="0"/>
-              </a:spcAft>
-              <a:buClr>
-                <a:schemeClr val="dk1"/>
-              </a:buClr>
-              <a:buSzPts val="1400"/>
-              <a:buFont typeface="Arial"/>
-              <a:buNone/>
-            </a:pPr>
-            <a:r>
-              <a:rPr lang="en"/>
-              <a:t>&lt;Insert plot here&gt;</a:t>
-            </a:r>
-            <a:endParaRPr/>
-          </a:p>
-          <a:p>
-            <a:pPr marL="0" lvl="0" indent="0" algn="l" rtl="0">
-              <a:lnSpc>
-                <a:spcPct val="115000"/>
-              </a:lnSpc>
-              <a:spcBef>
-                <a:spcPts val="1600"/>
-              </a:spcBef>
-              <a:spcAft>
-                <a:spcPts val="1600"/>
-              </a:spcAft>
-              <a:buSzPts val="1400"/>
-              <a:buNone/>
-            </a:pPr>
-            <a:endParaRPr/>
-          </a:p>
         </p:txBody>
       </p:sp>
+      <p:pic>
+        <p:nvPicPr>
+          <p:cNvPr id="3" name="Picture 2" descr="A picture containing calendar&#10;&#10;Description automatically generated">
+            <a:extLst>
+              <a:ext uri="{FF2B5EF4-FFF2-40B4-BE49-F238E27FC236}">
+                <a16:creationId xmlns:a16="http://schemas.microsoft.com/office/drawing/2014/main" id="{0D550D06-52F0-4515-A95E-B12214645D99}"/>
+              </a:ext>
+            </a:extLst>
+          </p:cNvPr>
+          <p:cNvPicPr>
+            <a:picLocks noChangeAspect="1"/>
+          </p:cNvPicPr>
+          <p:nvPr/>
+        </p:nvPicPr>
+        <p:blipFill>
+          <a:blip r:embed="rId3"/>
+          <a:stretch>
+            <a:fillRect/>
+          </a:stretch>
+        </p:blipFill>
+        <p:spPr>
+          <a:xfrm>
+            <a:off x="311699" y="1157611"/>
+            <a:ext cx="4276108" cy="3200400"/>
+          </a:xfrm>
+          <a:prstGeom prst="rect">
+            <a:avLst/>
+          </a:prstGeom>
+        </p:spPr>
+      </p:pic>
+      <p:pic>
+        <p:nvPicPr>
+          <p:cNvPr id="5" name="Picture 4" descr="Calendar&#10;&#10;Description automatically generated">
+            <a:extLst>
+              <a:ext uri="{FF2B5EF4-FFF2-40B4-BE49-F238E27FC236}">
+                <a16:creationId xmlns:a16="http://schemas.microsoft.com/office/drawing/2014/main" id="{BC393365-AA04-439C-B4E4-CF54C65C72B5}"/>
+              </a:ext>
+            </a:extLst>
+          </p:cNvPr>
+          <p:cNvPicPr>
+            <a:picLocks noChangeAspect="1"/>
+          </p:cNvPicPr>
+          <p:nvPr/>
+        </p:nvPicPr>
+        <p:blipFill>
+          <a:blip r:embed="rId4"/>
+          <a:stretch>
+            <a:fillRect/>
+          </a:stretch>
+        </p:blipFill>
+        <p:spPr>
+          <a:xfrm>
+            <a:off x="4311600" y="1157610"/>
+            <a:ext cx="4267200" cy="3200400"/>
+          </a:xfrm>
+          <a:prstGeom prst="rect">
+            <a:avLst/>
+          </a:prstGeom>
+        </p:spPr>
+      </p:pic>
     </p:spTree>
   </p:cSld>
   <p:clrMapOvr>
@@ -14252,18 +14238,18 @@
               <a:buNone/>
             </a:pPr>
             <a:r>
-              <a:rPr lang="en" b="1"/>
+              <a:rPr lang="en" b="1" dirty="0"/>
               <a:t>3.3</a:t>
             </a:r>
             <a:r>
-              <a:rPr lang="en" sz="1200">
+              <a:rPr lang="en" sz="1200" dirty="0">
                 <a:solidFill>
                   <a:schemeClr val="dk1"/>
                 </a:solidFill>
               </a:rPr>
               <a:t> Display the negative image.</a:t>
             </a:r>
-            <a:endParaRPr sz="1200">
+            <a:endParaRPr sz="1200" dirty="0">
               <a:solidFill>
                 <a:schemeClr val="dk1"/>
               </a:solidFill>
@@ -14283,7 +14269,7 @@
               <a:buSzPts val="1400"/>
               <a:buNone/>
             </a:pPr>
-            <a:endParaRPr b="1"/>
+            <a:endParaRPr b="1" dirty="0"/>
           </a:p>
           <a:p>
             <a:pPr marL="0" lvl="0" indent="0" algn="l" rtl="0">
@@ -14300,27 +14286,7 @@
               <a:buFont typeface="Arial"/>
               <a:buNone/>
             </a:pPr>
-            <a:r>
-              <a:rPr lang="en"/>
-              <a:t>&lt;Insert plot here&gt;</a:t>
-            </a:r>
-            <a:endParaRPr/>
-          </a:p>
-          <a:p>
-            <a:pPr marL="0" lvl="0" indent="0" algn="l" rtl="0">
-              <a:lnSpc>
-                <a:spcPct val="115000"/>
-              </a:lnSpc>
-              <a:spcBef>
-                <a:spcPts val="1600"/>
-              </a:spcBef>
-              <a:spcAft>
-                <a:spcPts val="1600"/>
-              </a:spcAft>
-              <a:buSzPts val="1400"/>
-              <a:buNone/>
-            </a:pPr>
-            <a:endParaRPr/>
+            <a:endParaRPr dirty="0"/>
           </a:p>
         </p:txBody>
       </p:sp>
@@ -14367,18 +14333,18 @@
               <a:buNone/>
             </a:pPr>
             <a:r>
-              <a:rPr lang="en" b="1"/>
+              <a:rPr lang="en" b="1" dirty="0"/>
               <a:t>3.4</a:t>
             </a:r>
             <a:r>
-              <a:rPr lang="en" sz="1200">
+              <a:rPr lang="en" sz="1200" dirty="0">
                 <a:solidFill>
                   <a:schemeClr val="dk1"/>
                 </a:solidFill>
               </a:rPr>
               <a:t> Display the mirror image.</a:t>
             </a:r>
-            <a:endParaRPr sz="1200">
+            <a:endParaRPr sz="1200" dirty="0">
               <a:solidFill>
                 <a:schemeClr val="dk1"/>
               </a:solidFill>
@@ -14399,47 +14365,86 @@
               <a:buFont typeface="Arial"/>
               <a:buNone/>
             </a:pPr>
-            <a:endParaRPr b="1"/>
+            <a:endParaRPr b="1" dirty="0"/>
           </a:p>
           <a:p>
             <a:pPr marL="0" lvl="0" indent="0" algn="l" rtl="0">
-              <a:spcBef>
-                <a:spcPts val="0"/>
-              </a:spcBef>
-              <a:spcAft>
-                <a:spcPts val="0"/>
-              </a:spcAft>
-              <a:buClr>
-                <a:schemeClr val="dk1"/>
-              </a:buClr>
+              <a:lnSpc>
+                <a:spcPct val="115000"/>
+              </a:lnSpc>
+              <a:spcBef>
+                <a:spcPts val="1600"/>
+              </a:spcBef>
+              <a:spcAft>
+                <a:spcPts val="1600"/>
+              </a:spcAft>
               <a:buSzPts val="1400"/>
-              <a:buFont typeface="Arial"/>
               <a:buNone/>
             </a:pPr>
-            <a:r>
-              <a:rPr lang="en"/>
-              <a:t>&lt;Insert plot here&gt;</a:t>
-            </a:r>
-            <a:endParaRPr/>
-          </a:p>
-          <a:p>
-            <a:pPr marL="0" lvl="0" indent="0" algn="l" rtl="0">
-              <a:lnSpc>
-                <a:spcPct val="115000"/>
-              </a:lnSpc>
-              <a:spcBef>
-                <a:spcPts val="1600"/>
-              </a:spcBef>
-              <a:spcAft>
-                <a:spcPts val="1600"/>
-              </a:spcAft>
-              <a:buSzPts val="1400"/>
-              <a:buNone/>
-            </a:pPr>
-            <a:endParaRPr b="1"/>
+            <a:endParaRPr b="1" dirty="0"/>
           </a:p>
         </p:txBody>
       </p:sp>
+      <p:pic>
+        <p:nvPicPr>
+          <p:cNvPr id="3" name="Picture 2" descr="Calendar&#10;&#10;Description automatically generated with low confidence">
+            <a:extLst>
+              <a:ext uri="{FF2B5EF4-FFF2-40B4-BE49-F238E27FC236}">
+                <a16:creationId xmlns:a16="http://schemas.microsoft.com/office/drawing/2014/main" id="{CC29DB7B-E115-4ABD-9A72-878F63C6747C}"/>
+              </a:ext>
+            </a:extLst>
+          </p:cNvPr>
+          <p:cNvPicPr>
+            <a:picLocks noChangeAspect="1"/>
+          </p:cNvPicPr>
+          <p:nvPr/>
+        </p:nvPicPr>
+        <p:blipFill>
+          <a:blip r:embed="rId3"/>
+          <a:stretch>
+            <a:fillRect/>
+          </a:stretch>
+        </p:blipFill>
+        <p:spPr>
+          <a:xfrm>
+            <a:off x="311700" y="1071786"/>
+            <a:ext cx="4267200" cy="3200400"/>
+          </a:xfrm>
+          <a:prstGeom prst="rect">
+            <a:avLst/>
+          </a:prstGeom>
+        </p:spPr>
+      </p:pic>
+      <p:pic>
+        <p:nvPicPr>
+          <p:cNvPr id="5" name="Picture 4" descr="Engineering drawing&#10;&#10;Description automatically generated">
+            <a:extLst>
+              <a:ext uri="{FF2B5EF4-FFF2-40B4-BE49-F238E27FC236}">
+                <a16:creationId xmlns:a16="http://schemas.microsoft.com/office/drawing/2014/main" id="{3FCDFAA0-7CBE-4BA0-9C01-8A164284EFAF}"/>
+              </a:ext>
+            </a:extLst>
+          </p:cNvPr>
+          <p:cNvPicPr>
+            <a:picLocks noChangeAspect="1"/>
+          </p:cNvPicPr>
+          <p:nvPr/>
+        </p:nvPicPr>
+        <p:blipFill>
+          <a:blip r:embed="rId4"/>
+          <a:stretch>
+            <a:fillRect/>
+          </a:stretch>
+        </p:blipFill>
+        <p:spPr>
+          <a:xfrm>
+            <a:off x="4311600" y="1071786"/>
+            <a:ext cx="4267199" cy="3200400"/>
+          </a:xfrm>
+          <a:prstGeom prst="rect">
+            <a:avLst/>
+          </a:prstGeom>
+        </p:spPr>
+      </p:pic>
     </p:spTree>
   </p:cSld>
   <p:clrMapOvr>
@@ -14512,18 +14517,18 @@
               <a:buNone/>
             </a:pPr>
             <a:r>
-              <a:rPr lang="en" b="1"/>
+              <a:rPr lang="en" b="1" dirty="0"/>
               <a:t>3.5</a:t>
             </a:r>
             <a:r>
-              <a:rPr lang="en" sz="1200">
+              <a:rPr lang="en" sz="1200" dirty="0">
                 <a:solidFill>
                   <a:schemeClr val="dk1"/>
                 </a:solidFill>
               </a:rPr>
               <a:t> Display the averaged image. </a:t>
             </a:r>
-            <a:endParaRPr sz="1200">
+            <a:endParaRPr sz="1200" dirty="0">
               <a:solidFill>
                 <a:schemeClr val="dk1"/>
               </a:solidFill>
@@ -14543,44 +14548,23 @@
               <a:buSzPts val="1400"/>
               <a:buNone/>
             </a:pPr>
-            <a:endParaRPr b="1"/>
+            <a:endParaRPr b="1" dirty="0"/>
           </a:p>
           <a:p>
             <a:pPr marL="0" lvl="0" indent="0" algn="l" rtl="0">
-              <a:spcBef>
-                <a:spcPts val="0"/>
-              </a:spcBef>
-              <a:spcAft>
-                <a:spcPts val="0"/>
-              </a:spcAft>
-              <a:buClr>
-                <a:schemeClr val="dk1"/>
-              </a:buClr>
+              <a:lnSpc>
+                <a:spcPct val="115000"/>
+              </a:lnSpc>
+              <a:spcBef>
+                <a:spcPts val="1600"/>
+              </a:spcBef>
+              <a:spcAft>
+                <a:spcPts val="1600"/>
+              </a:spcAft>
               <a:buSzPts val="1400"/>
-              <a:buFont typeface="Arial"/>
               <a:buNone/>
             </a:pPr>
-            <a:r>
-              <a:rPr lang="en"/>
-              <a:t>&lt;Insert plot here&gt;</a:t>
-            </a:r>
-            <a:endParaRPr/>
-          </a:p>
-          <a:p>
-            <a:pPr marL="0" lvl="0" indent="0" algn="l" rtl="0">
-              <a:lnSpc>
-                <a:spcPct val="115000"/>
-              </a:lnSpc>
-              <a:spcBef>
-                <a:spcPts val="1600"/>
-              </a:spcBef>
-              <a:spcAft>
-                <a:spcPts val="1600"/>
-              </a:spcAft>
-              <a:buSzPts val="1400"/>
-              <a:buNone/>
-            </a:pPr>
-            <a:endParaRPr/>
+            <a:endParaRPr dirty="0"/>
           </a:p>
         </p:txBody>
       </p:sp>
@@ -14627,18 +14611,18 @@
               <a:buNone/>
             </a:pPr>
             <a:r>
-              <a:rPr lang="en" b="1"/>
+              <a:rPr lang="en" b="1" dirty="0"/>
               <a:t>3.6.</a:t>
             </a:r>
             <a:r>
-              <a:rPr lang="en" sz="1200">
+              <a:rPr lang="en" sz="1200" dirty="0">
                 <a:solidFill>
                   <a:schemeClr val="dk1"/>
                 </a:solidFill>
               </a:rPr>
               <a:t> Display the clipped image.</a:t>
             </a:r>
-            <a:endParaRPr sz="1200">
+            <a:endParaRPr sz="1200" dirty="0">
               <a:solidFill>
                 <a:schemeClr val="dk1"/>
               </a:solidFill>
@@ -14659,47 +14643,56 @@
               <a:buFont typeface="Arial"/>
               <a:buNone/>
             </a:pPr>
-            <a:endParaRPr b="1"/>
+            <a:endParaRPr b="1" dirty="0"/>
           </a:p>
           <a:p>
             <a:pPr marL="0" lvl="0" indent="0" algn="l" rtl="0">
-              <a:spcBef>
-                <a:spcPts val="0"/>
-              </a:spcBef>
-              <a:spcAft>
-                <a:spcPts val="0"/>
-              </a:spcAft>
-              <a:buClr>
-                <a:schemeClr val="dk1"/>
-              </a:buClr>
+              <a:lnSpc>
+                <a:spcPct val="115000"/>
+              </a:lnSpc>
+              <a:spcBef>
+                <a:spcPts val="1600"/>
+              </a:spcBef>
+              <a:spcAft>
+                <a:spcPts val="1600"/>
+              </a:spcAft>
               <a:buSzPts val="1400"/>
-              <a:buFont typeface="Arial"/>
               <a:buNone/>
             </a:pPr>
-            <a:r>
-              <a:rPr lang="en"/>
-              <a:t>&lt;Insert plot here&gt;</a:t>
-            </a:r>
-            <a:endParaRPr/>
-          </a:p>
-          <a:p>
-            <a:pPr marL="0" lvl="0" indent="0" algn="l" rtl="0">
-              <a:lnSpc>
-                <a:spcPct val="115000"/>
-              </a:lnSpc>
-              <a:spcBef>
-                <a:spcPts val="1600"/>
-              </a:spcBef>
-              <a:spcAft>
-                <a:spcPts val="1600"/>
-              </a:spcAft>
-              <a:buSzPts val="1400"/>
-              <a:buNone/>
-            </a:pPr>
-            <a:endParaRPr b="1"/>
+            <a:endParaRPr b="1" dirty="0"/>
           </a:p>
         </p:txBody>
       </p:sp>
+      <p:pic>
+        <p:nvPicPr>
+          <p:cNvPr id="3" name="Picture 2" descr="Calendar&#10;&#10;Description automatically generated with medium confidence">
+            <a:extLst>
+              <a:ext uri="{FF2B5EF4-FFF2-40B4-BE49-F238E27FC236}">
+                <a16:creationId xmlns:a16="http://schemas.microsoft.com/office/drawing/2014/main" id="{8AE29403-5771-4FE2-A842-6B98D13AF6C3}"/>
+              </a:ext>
+            </a:extLst>
+          </p:cNvPr>
+          <p:cNvPicPr>
+            <a:picLocks noChangeAspect="1"/>
+          </p:cNvPicPr>
+          <p:nvPr/>
+        </p:nvPicPr>
+        <p:blipFill>
+          <a:blip r:embed="rId3"/>
+          <a:stretch>
+            <a:fillRect/>
+          </a:stretch>
+        </p:blipFill>
+        <p:spPr>
+          <a:xfrm>
+            <a:off x="311700" y="971550"/>
+            <a:ext cx="4267200" cy="3200400"/>
+          </a:xfrm>
+          <a:prstGeom prst="rect">
+            <a:avLst/>
+          </a:prstGeom>
+        </p:spPr>
+      </p:pic>
     </p:spTree>
   </p:cSld>
   <p:clrMapOvr>

--- a/PS1/Yunqing_Jia.pptx
+++ b/PS1/Yunqing_Jia.pptx
@@ -14693,6 +14693,36 @@
           </a:prstGeom>
         </p:spPr>
       </p:pic>
+      <p:pic>
+        <p:nvPicPr>
+          <p:cNvPr id="4" name="Picture 3" descr="A picture containing chart&#10;&#10;Description automatically generated">
+            <a:extLst>
+              <a:ext uri="{FF2B5EF4-FFF2-40B4-BE49-F238E27FC236}">
+                <a16:creationId xmlns:a16="http://schemas.microsoft.com/office/drawing/2014/main" id="{9C09ECAA-9A17-4032-AC56-EB8DCB444D15}"/>
+              </a:ext>
+            </a:extLst>
+          </p:cNvPr>
+          <p:cNvPicPr>
+            <a:picLocks noChangeAspect="1"/>
+          </p:cNvPicPr>
+          <p:nvPr/>
+        </p:nvPicPr>
+        <p:blipFill>
+          <a:blip r:embed="rId4"/>
+          <a:stretch>
+            <a:fillRect/>
+          </a:stretch>
+        </p:blipFill>
+        <p:spPr>
+          <a:xfrm>
+            <a:off x="4311600" y="971550"/>
+            <a:ext cx="4267200" cy="3200400"/>
+          </a:xfrm>
+          <a:prstGeom prst="rect">
+            <a:avLst/>
+          </a:prstGeom>
+        </p:spPr>
+      </p:pic>
     </p:spTree>
   </p:cSld>
   <p:clrMapOvr>
